--- a/SE Presentation 10_6-2.pptx
+++ b/SE Presentation 10_6-2.pptx
@@ -16,18 +16,19 @@
     <p:sldId id="260" r:id="rId11"/>
     <p:sldId id="261" r:id="rId12"/>
     <p:sldId id="262" r:id="rId13"/>
+    <p:sldId id="263" r:id="rId14"/>
   </p:sldIdLst>
   <p:sldSz cy="5143500" cx="9144000"/>
   <p:notesSz cx="6858000" cy="9144000"/>
   <p:embeddedFontLst>
     <p:embeddedFont>
       <p:font typeface="Average"/>
-      <p:regular r:id="rId14"/>
+      <p:regular r:id="rId15"/>
     </p:embeddedFont>
     <p:embeddedFont>
       <p:font typeface="Oswald"/>
-      <p:regular r:id="rId15"/>
-      <p:bold r:id="rId16"/>
+      <p:regular r:id="rId16"/>
+      <p:bold r:id="rId17"/>
     </p:embeddedFont>
   </p:embeddedFontLst>
   <p:defaultTextStyle>
@@ -822,7 +823,7 @@
       </p:grpSpPr>
       <p:sp>
         <p:nvSpPr>
-          <p:cNvPr id="107" name="Google Shape;107;g9e164552d9_0_110:notes"/>
+          <p:cNvPr id="107" name="Google Shape;107;g9e3d314aaf_0_0:notes"/>
           <p:cNvSpPr/>
           <p:nvPr>
             <p:ph idx="2" type="sldImg"/>
@@ -857,7 +858,7 @@
       </p:sp>
       <p:sp>
         <p:nvSpPr>
-          <p:cNvPr id="108" name="Google Shape;108;g9e164552d9_0_110:notes"/>
+          <p:cNvPr id="108" name="Google Shape;108;g9e3d314aaf_0_0:notes"/>
           <p:cNvSpPr txBox="1"/>
           <p:nvPr>
             <p:ph idx="1" type="body"/>
@@ -921,7 +922,7 @@
       </p:grpSpPr>
       <p:sp>
         <p:nvSpPr>
-          <p:cNvPr id="112" name="Google Shape;112;g9e164552d9_0_114:notes"/>
+          <p:cNvPr id="112" name="Google Shape;112;g9e164552d9_0_110:notes"/>
           <p:cNvSpPr/>
           <p:nvPr>
             <p:ph idx="2" type="sldImg"/>
@@ -956,7 +957,7 @@
       </p:sp>
       <p:sp>
         <p:nvSpPr>
-          <p:cNvPr id="113" name="Google Shape;113;g9e164552d9_0_114:notes"/>
+          <p:cNvPr id="113" name="Google Shape;113;g9e164552d9_0_110:notes"/>
           <p:cNvSpPr txBox="1"/>
           <p:nvPr>
             <p:ph idx="1" type="body"/>
@@ -1006,7 +1007,7 @@
   <p:cSld>
     <p:spTree>
       <p:nvGrpSpPr>
-        <p:cNvPr id="117" name="Shape 117"/>
+        <p:cNvPr id="116" name="Shape 116"/>
         <p:cNvGrpSpPr/>
         <p:nvPr/>
       </p:nvGrpSpPr>
@@ -1020,7 +1021,7 @@
       </p:grpSpPr>
       <p:sp>
         <p:nvSpPr>
-          <p:cNvPr id="118" name="Google Shape;118;g9e164552d9_0_119:notes"/>
+          <p:cNvPr id="117" name="Google Shape;117;g9e164552d9_0_114:notes"/>
           <p:cNvSpPr/>
           <p:nvPr>
             <p:ph idx="2" type="sldImg"/>
@@ -1055,7 +1056,7 @@
       </p:sp>
       <p:sp>
         <p:nvSpPr>
-          <p:cNvPr id="119" name="Google Shape;119;g9e164552d9_0_119:notes"/>
+          <p:cNvPr id="118" name="Google Shape;118;g9e164552d9_0_114:notes"/>
           <p:cNvSpPr txBox="1"/>
           <p:nvPr>
             <p:ph idx="1" type="body"/>
@@ -1105,7 +1106,7 @@
   <p:cSld>
     <p:spTree>
       <p:nvGrpSpPr>
-        <p:cNvPr id="124" name="Shape 124"/>
+        <p:cNvPr id="122" name="Shape 122"/>
         <p:cNvGrpSpPr/>
         <p:nvPr/>
       </p:nvGrpSpPr>
@@ -1119,7 +1120,7 @@
       </p:grpSpPr>
       <p:sp>
         <p:nvSpPr>
-          <p:cNvPr id="125" name="Google Shape;125;g9e164552d9_0_125:notes"/>
+          <p:cNvPr id="123" name="Google Shape;123;g9e164552d9_0_119:notes"/>
           <p:cNvSpPr/>
           <p:nvPr>
             <p:ph idx="2" type="sldImg"/>
@@ -1154,7 +1155,7 @@
       </p:sp>
       <p:sp>
         <p:nvSpPr>
-          <p:cNvPr id="126" name="Google Shape;126;g9e164552d9_0_125:notes"/>
+          <p:cNvPr id="124" name="Google Shape;124;g9e164552d9_0_119:notes"/>
           <p:cNvSpPr txBox="1"/>
           <p:nvPr>
             <p:ph idx="1" type="body"/>
@@ -1204,7 +1205,7 @@
   <p:cSld>
     <p:spTree>
       <p:nvGrpSpPr>
-        <p:cNvPr id="131" name="Shape 131"/>
+        <p:cNvPr id="129" name="Shape 129"/>
         <p:cNvGrpSpPr/>
         <p:nvPr/>
       </p:nvGrpSpPr>
@@ -1218,7 +1219,7 @@
       </p:grpSpPr>
       <p:sp>
         <p:nvSpPr>
-          <p:cNvPr id="132" name="Google Shape;132;g9e164552d9_0_131:notes"/>
+          <p:cNvPr id="130" name="Google Shape;130;g9e164552d9_0_125:notes"/>
           <p:cNvSpPr/>
           <p:nvPr>
             <p:ph idx="2" type="sldImg"/>
@@ -1253,7 +1254,7 @@
       </p:sp>
       <p:sp>
         <p:nvSpPr>
-          <p:cNvPr id="133" name="Google Shape;133;g9e164552d9_0_131:notes"/>
+          <p:cNvPr id="131" name="Google Shape;131;g9e164552d9_0_125:notes"/>
           <p:cNvSpPr txBox="1"/>
           <p:nvPr>
             <p:ph idx="1" type="body"/>
@@ -1303,7 +1304,7 @@
   <p:cSld>
     <p:spTree>
       <p:nvGrpSpPr>
-        <p:cNvPr id="138" name="Shape 138"/>
+        <p:cNvPr id="136" name="Shape 136"/>
         <p:cNvGrpSpPr/>
         <p:nvPr/>
       </p:nvGrpSpPr>
@@ -1317,7 +1318,7 @@
       </p:grpSpPr>
       <p:sp>
         <p:nvSpPr>
-          <p:cNvPr id="139" name="Google Shape;139;g9e164552d9_0_137:notes"/>
+          <p:cNvPr id="137" name="Google Shape;137;g9e164552d9_0_131:notes"/>
           <p:cNvSpPr/>
           <p:nvPr>
             <p:ph idx="2" type="sldImg"/>
@@ -1352,7 +1353,106 @@
       </p:sp>
       <p:sp>
         <p:nvSpPr>
-          <p:cNvPr id="140" name="Google Shape;140;g9e164552d9_0_137:notes"/>
+          <p:cNvPr id="138" name="Google Shape;138;g9e164552d9_0_131:notes"/>
+          <p:cNvSpPr txBox="1"/>
+          <p:nvPr>
+            <p:ph idx="1" type="body"/>
+          </p:nvPr>
+        </p:nvSpPr>
+        <p:spPr>
+          <a:xfrm>
+            <a:off x="685800" y="4343400"/>
+            <a:ext cx="5486400" cy="4114800"/>
+          </a:xfrm>
+          <a:prstGeom prst="rect">
+            <a:avLst/>
+          </a:prstGeom>
+        </p:spPr>
+        <p:txBody>
+          <a:bodyPr anchorCtr="0" anchor="t" bIns="91425" lIns="91425" spcFirstLastPara="1" rIns="91425" wrap="square" tIns="91425">
+            <a:noAutofit/>
+          </a:bodyPr>
+          <a:lstStyle/>
+          <a:p>
+            <a:pPr indent="0" lvl="0" marL="0" rtl="0" algn="l">
+              <a:spcBef>
+                <a:spcPts val="0"/>
+              </a:spcBef>
+              <a:spcAft>
+                <a:spcPts val="0"/>
+              </a:spcAft>
+              <a:buNone/>
+            </a:pPr>
+            <a:r>
+              <a:t/>
+            </a:r>
+            <a:endParaRPr/>
+          </a:p>
+        </p:txBody>
+      </p:sp>
+    </p:spTree>
+  </p:cSld>
+  <p:clrMapOvr>
+    <a:masterClrMapping/>
+  </p:clrMapOvr>
+</p:notes>
+</file>
+
+<file path=ppt/notesSlides/notesSlide8.xml><?xml version="1.0" encoding="utf-8"?>
+<p:notes xmlns:a="http://schemas.openxmlformats.org/drawingml/2006/main" xmlns:r="http://schemas.openxmlformats.org/officeDocument/2006/relationships" xmlns:mc="http://schemas.openxmlformats.org/markup-compatibility/2006" xmlns:mv="urn:schemas-microsoft-com:mac:vml" xmlns:p="http://schemas.openxmlformats.org/presentationml/2006/main" xmlns:c="http://schemas.openxmlformats.org/drawingml/2006/chart" xmlns:dgm="http://schemas.openxmlformats.org/drawingml/2006/diagram" xmlns:o="urn:schemas-microsoft-com:office:office" xmlns:v="urn:schemas-microsoft-com:vml" xmlns:pvml="urn:schemas-microsoft-com:office:powerpoint" xmlns:com="http://schemas.openxmlformats.org/drawingml/2006/compatibility" xmlns:p14="http://schemas.microsoft.com/office/powerpoint/2010/main" xmlns:p15="http://schemas.microsoft.com/office/powerpoint/2012/main" xmlns:ahyp="http://schemas.microsoft.com/office/drawing/2018/hyperlinkcolor" showMasterPhAnim="0" showMasterSp="0">
+  <p:cSld>
+    <p:spTree>
+      <p:nvGrpSpPr>
+        <p:cNvPr id="143" name="Shape 143"/>
+        <p:cNvGrpSpPr/>
+        <p:nvPr/>
+      </p:nvGrpSpPr>
+      <p:grpSpPr>
+        <a:xfrm>
+          <a:off x="0" y="0"/>
+          <a:ext cx="0" cy="0"/>
+          <a:chOff x="0" y="0"/>
+          <a:chExt cx="0" cy="0"/>
+        </a:xfrm>
+      </p:grpSpPr>
+      <p:sp>
+        <p:nvSpPr>
+          <p:cNvPr id="144" name="Google Shape;144;g9e164552d9_0_137:notes"/>
+          <p:cNvSpPr/>
+          <p:nvPr>
+            <p:ph idx="2" type="sldImg"/>
+          </p:nvPr>
+        </p:nvSpPr>
+        <p:spPr>
+          <a:xfrm>
+            <a:off x="381300" y="685800"/>
+            <a:ext cx="6096000" cy="3429000"/>
+          </a:xfrm>
+          <a:custGeom>
+            <a:rect b="b" l="l" r="r" t="t"/>
+            <a:pathLst>
+              <a:path extrusionOk="0" h="120000" w="120000">
+                <a:moveTo>
+                  <a:pt x="0" y="0"/>
+                </a:moveTo>
+                <a:lnTo>
+                  <a:pt x="120000" y="0"/>
+                </a:lnTo>
+                <a:lnTo>
+                  <a:pt x="120000" y="120000"/>
+                </a:lnTo>
+                <a:lnTo>
+                  <a:pt x="0" y="120000"/>
+                </a:lnTo>
+                <a:close/>
+              </a:path>
+            </a:pathLst>
+          </a:custGeom>
+        </p:spPr>
+      </p:sp>
+      <p:sp>
+        <p:nvSpPr>
+          <p:cNvPr id="145" name="Google Shape;145;g9e164552d9_0_137:notes"/>
           <p:cNvSpPr txBox="1"/>
           <p:nvPr>
             <p:ph idx="1" type="body"/>
@@ -11456,8 +11556,8 @@
         </p:blipFill>
         <p:spPr>
           <a:xfrm>
-            <a:off x="1040275" y="164375"/>
-            <a:ext cx="6873975" cy="4772225"/>
+            <a:off x="1316627" y="940375"/>
+            <a:ext cx="6510726" cy="3262750"/>
           </a:xfrm>
           <a:prstGeom prst="rect">
             <a:avLst/>
@@ -11493,9 +11593,62 @@
           <a:chExt cx="0" cy="0"/>
         </a:xfrm>
       </p:grpSpPr>
+      <p:pic>
+        <p:nvPicPr>
+          <p:cNvPr id="115" name="Google Shape;115;p27"/>
+          <p:cNvPicPr preferRelativeResize="0"/>
+          <p:nvPr/>
+        </p:nvPicPr>
+        <p:blipFill>
+          <a:blip r:embed="rId3">
+            <a:alphaModFix/>
+          </a:blip>
+          <a:stretch>
+            <a:fillRect/>
+          </a:stretch>
+        </p:blipFill>
+        <p:spPr>
+          <a:xfrm>
+            <a:off x="1040275" y="164375"/>
+            <a:ext cx="6873975" cy="4772225"/>
+          </a:xfrm>
+          <a:prstGeom prst="rect">
+            <a:avLst/>
+          </a:prstGeom>
+          <a:noFill/>
+          <a:ln>
+            <a:noFill/>
+          </a:ln>
+        </p:spPr>
+      </p:pic>
+    </p:spTree>
+  </p:cSld>
+  <p:clrMapOvr>
+    <a:masterClrMapping/>
+  </p:clrMapOvr>
+</p:sld>
+</file>
+
+<file path=ppt/slides/slide4.xml><?xml version="1.0" encoding="utf-8"?>
+<p:sld xmlns:a="http://schemas.openxmlformats.org/drawingml/2006/main" xmlns:r="http://schemas.openxmlformats.org/officeDocument/2006/relationships" xmlns:mc="http://schemas.openxmlformats.org/markup-compatibility/2006" xmlns:mv="urn:schemas-microsoft-com:mac:vml" xmlns:p="http://schemas.openxmlformats.org/presentationml/2006/main" xmlns:c="http://schemas.openxmlformats.org/drawingml/2006/chart" xmlns:dgm="http://schemas.openxmlformats.org/drawingml/2006/diagram" xmlns:o="urn:schemas-microsoft-com:office:office" xmlns:v="urn:schemas-microsoft-com:vml" xmlns:pvml="urn:schemas-microsoft-com:office:powerpoint" xmlns:com="http://schemas.openxmlformats.org/drawingml/2006/compatibility" xmlns:p14="http://schemas.microsoft.com/office/powerpoint/2010/main" xmlns:p15="http://schemas.microsoft.com/office/powerpoint/2012/main" xmlns:ahyp="http://schemas.microsoft.com/office/drawing/2018/hyperlinkcolor">
+  <p:cSld>
+    <p:spTree>
+      <p:nvGrpSpPr>
+        <p:cNvPr id="119" name="Shape 119"/>
+        <p:cNvGrpSpPr/>
+        <p:nvPr/>
+      </p:nvGrpSpPr>
+      <p:grpSpPr>
+        <a:xfrm>
+          <a:off x="0" y="0"/>
+          <a:ext cx="0" cy="0"/>
+          <a:chOff x="0" y="0"/>
+          <a:chExt cx="0" cy="0"/>
+        </a:xfrm>
+      </p:grpSpPr>
       <p:sp>
         <p:nvSpPr>
-          <p:cNvPr id="115" name="Google Shape;115;p27"/>
+          <p:cNvPr id="120" name="Google Shape;120;p28"/>
           <p:cNvSpPr txBox="1"/>
           <p:nvPr>
             <p:ph type="title"/>
@@ -11535,7 +11688,7 @@
       </p:sp>
       <p:sp>
         <p:nvSpPr>
-          <p:cNvPr id="116" name="Google Shape;116;p27"/>
+          <p:cNvPr id="121" name="Google Shape;121;p28"/>
           <p:cNvSpPr txBox="1"/>
           <p:nvPr>
             <p:ph idx="1" type="body"/>
@@ -11644,12 +11797,12 @@
 </p:sld>
 </file>
 
-<file path=ppt/slides/slide4.xml><?xml version="1.0" encoding="utf-8"?>
+<file path=ppt/slides/slide5.xml><?xml version="1.0" encoding="utf-8"?>
 <p:sld xmlns:a="http://schemas.openxmlformats.org/drawingml/2006/main" xmlns:r="http://schemas.openxmlformats.org/officeDocument/2006/relationships" xmlns:mc="http://schemas.openxmlformats.org/markup-compatibility/2006" xmlns:mv="urn:schemas-microsoft-com:mac:vml" xmlns:p="http://schemas.openxmlformats.org/presentationml/2006/main" xmlns:c="http://schemas.openxmlformats.org/drawingml/2006/chart" xmlns:dgm="http://schemas.openxmlformats.org/drawingml/2006/diagram" xmlns:o="urn:schemas-microsoft-com:office:office" xmlns:v="urn:schemas-microsoft-com:vml" xmlns:pvml="urn:schemas-microsoft-com:office:powerpoint" xmlns:com="http://schemas.openxmlformats.org/drawingml/2006/compatibility" xmlns:p14="http://schemas.microsoft.com/office/powerpoint/2010/main" xmlns:p15="http://schemas.microsoft.com/office/powerpoint/2012/main" xmlns:ahyp="http://schemas.microsoft.com/office/drawing/2018/hyperlinkcolor">
   <p:cSld>
     <p:spTree>
       <p:nvGrpSpPr>
-        <p:cNvPr id="120" name="Shape 120"/>
+        <p:cNvPr id="125" name="Shape 125"/>
         <p:cNvGrpSpPr/>
         <p:nvPr/>
       </p:nvGrpSpPr>
@@ -11663,7 +11816,7 @@
       </p:grpSpPr>
       <p:sp>
         <p:nvSpPr>
-          <p:cNvPr id="121" name="Google Shape;121;p28"/>
+          <p:cNvPr id="126" name="Google Shape;126;p29"/>
           <p:cNvSpPr txBox="1"/>
           <p:nvPr>
             <p:ph type="title"/>
@@ -11703,7 +11856,7 @@
       </p:sp>
       <p:sp>
         <p:nvSpPr>
-          <p:cNvPr id="122" name="Google Shape;122;p28"/>
+          <p:cNvPr id="127" name="Google Shape;127;p29"/>
           <p:cNvSpPr txBox="1"/>
           <p:nvPr>
             <p:ph idx="1" type="body"/>
@@ -11729,28 +11882,17 @@
                 <a:spcPts val="0"/>
               </a:spcBef>
               <a:spcAft>
-                <a:spcPts val="0"/>
+                <a:spcPts val="1600"/>
               </a:spcAft>
               <a:buNone/>
             </a:pPr>
             <a:r>
               <a:rPr lang="zh-TW"/>
-              <a:t>Spring提供的前端控制器，所有的請求都有經過它來統一分發。在DispatcherServlet將請求分發給Spring Controller之前，需要藉助於Spring提供的HandlerMapping定位到具體的 Handler。</a:t>
+              <a:t>Spring’s front controller. </a:t>
             </a:r>
-            <a:endParaRPr/>
-          </a:p>
-          <a:p>
-            <a:pPr indent="0" lvl="0" marL="0" rtl="0" algn="l">
-              <a:spcBef>
-                <a:spcPts val="1600"/>
-              </a:spcBef>
-              <a:spcAft>
-                <a:spcPts val="1600"/>
-              </a:spcAft>
-              <a:buNone/>
-            </a:pPr>
             <a:r>
-              <a:t/>
+              <a:rPr lang="zh-TW"/>
+              <a:t>DispatcherServlet handles an incoming HttpRequest, delegates the request, and processes that request according to the configured HandlerAdapter interfaces.</a:t>
             </a:r>
             <a:endParaRPr/>
           </a:p>
@@ -11758,7 +11900,7 @@
       </p:sp>
       <p:pic>
         <p:nvPicPr>
-          <p:cNvPr id="123" name="Google Shape;123;p28"/>
+          <p:cNvPr id="128" name="Google Shape;128;p29"/>
           <p:cNvPicPr preferRelativeResize="0"/>
           <p:nvPr/>
         </p:nvPicPr>
@@ -11792,12 +11934,12 @@
 </p:sld>
 </file>
 
-<file path=ppt/slides/slide5.xml><?xml version="1.0" encoding="utf-8"?>
+<file path=ppt/slides/slide6.xml><?xml version="1.0" encoding="utf-8"?>
 <p:sld xmlns:a="http://schemas.openxmlformats.org/drawingml/2006/main" xmlns:r="http://schemas.openxmlformats.org/officeDocument/2006/relationships" xmlns:mc="http://schemas.openxmlformats.org/markup-compatibility/2006" xmlns:mv="urn:schemas-microsoft-com:mac:vml" xmlns:p="http://schemas.openxmlformats.org/presentationml/2006/main" xmlns:c="http://schemas.openxmlformats.org/drawingml/2006/chart" xmlns:dgm="http://schemas.openxmlformats.org/drawingml/2006/diagram" xmlns:o="urn:schemas-microsoft-com:office:office" xmlns:v="urn:schemas-microsoft-com:vml" xmlns:pvml="urn:schemas-microsoft-com:office:powerpoint" xmlns:com="http://schemas.openxmlformats.org/drawingml/2006/compatibility" xmlns:p14="http://schemas.microsoft.com/office/powerpoint/2010/main" xmlns:p15="http://schemas.microsoft.com/office/powerpoint/2012/main" xmlns:ahyp="http://schemas.microsoft.com/office/drawing/2018/hyperlinkcolor">
   <p:cSld>
     <p:spTree>
       <p:nvGrpSpPr>
-        <p:cNvPr id="127" name="Shape 127"/>
+        <p:cNvPr id="132" name="Shape 132"/>
         <p:cNvGrpSpPr/>
         <p:nvPr/>
       </p:nvGrpSpPr>
@@ -11811,7 +11953,7 @@
       </p:grpSpPr>
       <p:sp>
         <p:nvSpPr>
-          <p:cNvPr id="128" name="Google Shape;128;p29"/>
+          <p:cNvPr id="133" name="Google Shape;133;p30"/>
           <p:cNvSpPr txBox="1"/>
           <p:nvPr>
             <p:ph type="title"/>
@@ -11851,7 +11993,7 @@
       </p:sp>
       <p:sp>
         <p:nvSpPr>
-          <p:cNvPr id="129" name="Google Shape;129;p29"/>
+          <p:cNvPr id="134" name="Google Shape;134;p30"/>
           <p:cNvSpPr txBox="1"/>
           <p:nvPr>
             <p:ph idx="1" type="body"/>
@@ -11883,7 +12025,7 @@
             </a:pPr>
             <a:r>
               <a:rPr lang="zh-TW"/>
-              <a:t>當客戶的請求來到時，DispatcherServlet根據一個Handler mapping的實例了解到，如何將請求轉發至對應的Handler，對於Web應用程式來說，通常就是以URL路徑對應至 Handler。</a:t>
+              <a:t>Using a handler mapping you can map incoming web requests to appropriate handlers.</a:t>
             </a:r>
             <a:endParaRPr/>
           </a:p>
@@ -11891,7 +12033,7 @@
       </p:sp>
       <p:pic>
         <p:nvPicPr>
-          <p:cNvPr id="130" name="Google Shape;130;p29"/>
+          <p:cNvPr id="135" name="Google Shape;135;p30"/>
           <p:cNvPicPr preferRelativeResize="0"/>
           <p:nvPr/>
         </p:nvPicPr>
@@ -11925,12 +12067,12 @@
 </p:sld>
 </file>
 
-<file path=ppt/slides/slide6.xml><?xml version="1.0" encoding="utf-8"?>
+<file path=ppt/slides/slide7.xml><?xml version="1.0" encoding="utf-8"?>
 <p:sld xmlns:a="http://schemas.openxmlformats.org/drawingml/2006/main" xmlns:r="http://schemas.openxmlformats.org/officeDocument/2006/relationships" xmlns:mc="http://schemas.openxmlformats.org/markup-compatibility/2006" xmlns:mv="urn:schemas-microsoft-com:mac:vml" xmlns:p="http://schemas.openxmlformats.org/presentationml/2006/main" xmlns:c="http://schemas.openxmlformats.org/drawingml/2006/chart" xmlns:dgm="http://schemas.openxmlformats.org/drawingml/2006/diagram" xmlns:o="urn:schemas-microsoft-com:office:office" xmlns:v="urn:schemas-microsoft-com:vml" xmlns:pvml="urn:schemas-microsoft-com:office:powerpoint" xmlns:com="http://schemas.openxmlformats.org/drawingml/2006/compatibility" xmlns:p14="http://schemas.microsoft.com/office/powerpoint/2010/main" xmlns:p15="http://schemas.microsoft.com/office/powerpoint/2012/main" xmlns:ahyp="http://schemas.microsoft.com/office/drawing/2018/hyperlinkcolor">
   <p:cSld>
     <p:spTree>
       <p:nvGrpSpPr>
-        <p:cNvPr id="134" name="Shape 134"/>
+        <p:cNvPr id="139" name="Shape 139"/>
         <p:cNvGrpSpPr/>
         <p:nvPr/>
       </p:nvGrpSpPr>
@@ -11944,7 +12086,7 @@
       </p:grpSpPr>
       <p:sp>
         <p:nvSpPr>
-          <p:cNvPr id="135" name="Google Shape;135;p30"/>
+          <p:cNvPr id="140" name="Google Shape;140;p31"/>
           <p:cNvSpPr txBox="1"/>
           <p:nvPr>
             <p:ph type="title"/>
@@ -11984,7 +12126,7 @@
       </p:sp>
       <p:sp>
         <p:nvSpPr>
-          <p:cNvPr id="136" name="Google Shape;136;p30"/>
+          <p:cNvPr id="141" name="Google Shape;141;p31"/>
           <p:cNvSpPr txBox="1"/>
           <p:nvPr>
             <p:ph idx="1" type="body"/>
@@ -12016,7 +12158,7 @@
             </a:pPr>
             <a:r>
               <a:rPr lang="zh-TW"/>
-              <a:t>當HandlerMapping獲取了定位請求處理器Handler，DispatcherServlet會將得到的Handler告知HandlerAdapter，HandlerAdapter再根據請求去實際調用處理函數</a:t>
+              <a:t>The HandlerAdapter interface facilitates the use of controllers, servlets, HttpRequests, and HTTP paths through several specific interfaces.</a:t>
             </a:r>
             <a:endParaRPr/>
           </a:p>
@@ -12024,7 +12166,7 @@
       </p:sp>
       <p:pic>
         <p:nvPicPr>
-          <p:cNvPr id="137" name="Google Shape;137;p30"/>
+          <p:cNvPr id="142" name="Google Shape;142;p31"/>
           <p:cNvPicPr preferRelativeResize="0"/>
           <p:nvPr/>
         </p:nvPicPr>
@@ -12058,12 +12200,12 @@
 </p:sld>
 </file>
 
-<file path=ppt/slides/slide7.xml><?xml version="1.0" encoding="utf-8"?>
+<file path=ppt/slides/slide8.xml><?xml version="1.0" encoding="utf-8"?>
 <p:sld xmlns:a="http://schemas.openxmlformats.org/drawingml/2006/main" xmlns:r="http://schemas.openxmlformats.org/officeDocument/2006/relationships" xmlns:mc="http://schemas.openxmlformats.org/markup-compatibility/2006" xmlns:mv="urn:schemas-microsoft-com:mac:vml" xmlns:p="http://schemas.openxmlformats.org/presentationml/2006/main" xmlns:c="http://schemas.openxmlformats.org/drawingml/2006/chart" xmlns:dgm="http://schemas.openxmlformats.org/drawingml/2006/diagram" xmlns:o="urn:schemas-microsoft-com:office:office" xmlns:v="urn:schemas-microsoft-com:vml" xmlns:pvml="urn:schemas-microsoft-com:office:powerpoint" xmlns:com="http://schemas.openxmlformats.org/drawingml/2006/compatibility" xmlns:p14="http://schemas.microsoft.com/office/powerpoint/2010/main" xmlns:p15="http://schemas.microsoft.com/office/powerpoint/2012/main" xmlns:ahyp="http://schemas.microsoft.com/office/drawing/2018/hyperlinkcolor">
   <p:cSld>
     <p:spTree>
       <p:nvGrpSpPr>
-        <p:cNvPr id="141" name="Shape 141"/>
+        <p:cNvPr id="146" name="Shape 146"/>
         <p:cNvGrpSpPr/>
         <p:nvPr/>
       </p:nvGrpSpPr>
@@ -12077,7 +12219,7 @@
       </p:grpSpPr>
       <p:sp>
         <p:nvSpPr>
-          <p:cNvPr id="142" name="Google Shape;142;p31"/>
+          <p:cNvPr id="147" name="Google Shape;147;p32"/>
           <p:cNvSpPr txBox="1"/>
           <p:nvPr>
             <p:ph type="title"/>
@@ -12117,7 +12259,7 @@
       </p:sp>
       <p:sp>
         <p:nvSpPr>
-          <p:cNvPr id="143" name="Google Shape;143;p31"/>
+          <p:cNvPr id="148" name="Google Shape;148;p32"/>
           <p:cNvSpPr txBox="1"/>
           <p:nvPr>
             <p:ph idx="1" type="body"/>
@@ -12149,7 +12291,7 @@
             </a:pPr>
             <a:r>
               <a:rPr lang="zh-TW"/>
-              <a:t>ViewResolver的主要職責是根據Controller所返回的ModelAndView中的ViewName，為DispatcherServlet返回一個可用的View。</a:t>
+              <a:t>A ViewResolver determines both what kind of views are served by the dispatcher and from where they are served.</a:t>
             </a:r>
             <a:endParaRPr/>
           </a:p>
@@ -12157,7 +12299,7 @@
       </p:sp>
       <p:pic>
         <p:nvPicPr>
-          <p:cNvPr id="144" name="Google Shape;144;p31"/>
+          <p:cNvPr id="149" name="Google Shape;149;p32"/>
           <p:cNvPicPr preferRelativeResize="0"/>
           <p:nvPr/>
         </p:nvPicPr>
